--- a/Zálohovací technologie pro koncové prvky.pptx
+++ b/Zálohovací technologie pro koncové prvky.pptx
@@ -113,6 +113,11 @@
       </a:defRPr>
     </a:lvl9pPr>
   </p:defaultTextStyle>
+  <p:extLst>
+    <p:ext uri="{EFAFB233-063F-42B5-8137-9DF3F51BA10A}">
+      <p15:sldGuideLst xmlns:p15="http://schemas.microsoft.com/office/powerpoint/2012/main"/>
+    </p:ext>
+  </p:extLst>
 </p:presentation>
 </file>
 
@@ -4000,6 +4005,43 @@
           </a:p>
         </p:txBody>
       </p:sp>
+      <p:sp>
+        <p:nvSpPr>
+          <p:cNvPr id="13" name="TextovéPole 12">
+            <a:extLst>
+              <a:ext uri="{FF2B5EF4-FFF2-40B4-BE49-F238E27FC236}">
+                <a16:creationId xmlns:a16="http://schemas.microsoft.com/office/drawing/2014/main" id="{688FB473-6094-8ACB-4A9C-59306240E86D}"/>
+              </a:ext>
+            </a:extLst>
+          </p:cNvPr>
+          <p:cNvSpPr txBox="1"/>
+          <p:nvPr/>
+        </p:nvSpPr>
+        <p:spPr>
+          <a:xfrm>
+            <a:off x="1049353" y="3068467"/>
+            <a:ext cx="1276598" cy="369332"/>
+          </a:xfrm>
+          <a:prstGeom prst="rect">
+            <a:avLst/>
+          </a:prstGeom>
+          <a:noFill/>
+        </p:spPr>
+        <p:txBody>
+          <a:bodyPr wrap="square" rtlCol="0">
+            <a:spAutoFit/>
+          </a:bodyPr>
+          <a:lstStyle/>
+          <a:p>
+            <a:r>
+              <a:rPr lang="cs-CZ" b="1" dirty="0">
+                <a:latin typeface="+mj-lt"/>
+              </a:rPr>
+              <a:t>2023-05-26</a:t>
+            </a:r>
+          </a:p>
+        </p:txBody>
+      </p:sp>
     </p:spTree>
     <p:extLst>
       <p:ext uri="{BB962C8B-B14F-4D97-AF65-F5344CB8AC3E}">
@@ -4553,13 +4595,13 @@
   <p:clrMapOvr>
     <a:masterClrMapping/>
   </p:clrMapOvr>
-  <mc:AlternateContent xmlns:mc="http://schemas.openxmlformats.org/markup-compatibility/2006">
-    <mc:Choice xmlns:p14="http://schemas.microsoft.com/office/powerpoint/2010/main" Requires="p14">
+  <mc:AlternateContent xmlns:mc="http://schemas.openxmlformats.org/markup-compatibility/2006" xmlns:p14="http://schemas.microsoft.com/office/powerpoint/2010/main">
+    <mc:Choice Requires="p14">
       <p:transition spd="slow" p14:dur="1500">
         <p14:reveal thruBlk="1"/>
       </p:transition>
     </mc:Choice>
-    <mc:Fallback>
+    <mc:Fallback xmlns="">
       <p:transition spd="slow">
         <p:fade/>
       </p:transition>
@@ -5103,13 +5145,13 @@
   <p:clrMapOvr>
     <a:masterClrMapping/>
   </p:clrMapOvr>
-  <mc:AlternateContent xmlns:mc="http://schemas.openxmlformats.org/markup-compatibility/2006">
-    <mc:Choice xmlns:p14="http://schemas.microsoft.com/office/powerpoint/2010/main" Requires="p14">
+  <mc:AlternateContent xmlns:mc="http://schemas.openxmlformats.org/markup-compatibility/2006" xmlns:p14="http://schemas.microsoft.com/office/powerpoint/2010/main">
+    <mc:Choice Requires="p14">
       <p:transition spd="slow" p14:dur="1500">
         <p14:reveal thruBlk="1"/>
       </p:transition>
     </mc:Choice>
-    <mc:Fallback>
+    <mc:Fallback xmlns="">
       <p:transition spd="slow">
         <p:fade/>
       </p:transition>
@@ -5620,13 +5662,13 @@
   <p:clrMapOvr>
     <a:masterClrMapping/>
   </p:clrMapOvr>
-  <mc:AlternateContent xmlns:mc="http://schemas.openxmlformats.org/markup-compatibility/2006">
-    <mc:Choice xmlns:p14="http://schemas.microsoft.com/office/powerpoint/2010/main" Requires="p14">
+  <mc:AlternateContent xmlns:mc="http://schemas.openxmlformats.org/markup-compatibility/2006" xmlns:p14="http://schemas.microsoft.com/office/powerpoint/2010/main">
+    <mc:Choice Requires="p14">
       <p:transition spd="slow" p14:dur="1500">
         <p14:reveal thruBlk="1"/>
       </p:transition>
     </mc:Choice>
-    <mc:Fallback>
+    <mc:Fallback xmlns="">
       <p:transition spd="slow">
         <p:fade/>
       </p:transition>
@@ -6139,13 +6181,13 @@
   <p:clrMapOvr>
     <a:masterClrMapping/>
   </p:clrMapOvr>
-  <mc:AlternateContent xmlns:mc="http://schemas.openxmlformats.org/markup-compatibility/2006">
-    <mc:Choice xmlns:p14="http://schemas.microsoft.com/office/powerpoint/2010/main" Requires="p14">
+  <mc:AlternateContent xmlns:mc="http://schemas.openxmlformats.org/markup-compatibility/2006" xmlns:p14="http://schemas.microsoft.com/office/powerpoint/2010/main">
+    <mc:Choice Requires="p14">
       <p:transition spd="slow" p14:dur="1500">
         <p14:reveal thruBlk="1"/>
       </p:transition>
     </mc:Choice>
-    <mc:Fallback>
+    <mc:Fallback xmlns="">
       <p:transition spd="slow">
         <p:fade/>
       </p:transition>
@@ -6704,13 +6746,13 @@
   <p:clrMapOvr>
     <a:masterClrMapping/>
   </p:clrMapOvr>
-  <mc:AlternateContent xmlns:mc="http://schemas.openxmlformats.org/markup-compatibility/2006">
-    <mc:Choice xmlns:p14="http://schemas.microsoft.com/office/powerpoint/2010/main" Requires="p14">
+  <mc:AlternateContent xmlns:mc="http://schemas.openxmlformats.org/markup-compatibility/2006" xmlns:p14="http://schemas.microsoft.com/office/powerpoint/2010/main">
+    <mc:Choice Requires="p14">
       <p:transition spd="slow" p14:dur="1500">
         <p14:reveal thruBlk="1"/>
       </p:transition>
     </mc:Choice>
-    <mc:Fallback>
+    <mc:Fallback xmlns="">
       <p:transition spd="slow">
         <p:fade/>
       </p:transition>
@@ -7279,13 +7321,13 @@
   <p:clrMapOvr>
     <a:masterClrMapping/>
   </p:clrMapOvr>
-  <mc:AlternateContent xmlns:mc="http://schemas.openxmlformats.org/markup-compatibility/2006">
-    <mc:Choice xmlns:p14="http://schemas.microsoft.com/office/powerpoint/2010/main" Requires="p14">
+  <mc:AlternateContent xmlns:mc="http://schemas.openxmlformats.org/markup-compatibility/2006" xmlns:p14="http://schemas.microsoft.com/office/powerpoint/2010/main">
+    <mc:Choice Requires="p14">
       <p:transition spd="slow" p14:dur="1500">
         <p14:reveal thruBlk="1"/>
       </p:transition>
     </mc:Choice>
-    <mc:Fallback>
+    <mc:Fallback xmlns="">
       <p:transition spd="slow">
         <p:fade/>
       </p:transition>
@@ -7806,13 +7848,13 @@
   <p:clrMapOvr>
     <a:masterClrMapping/>
   </p:clrMapOvr>
-  <mc:AlternateContent xmlns:mc="http://schemas.openxmlformats.org/markup-compatibility/2006">
-    <mc:Choice xmlns:p14="http://schemas.microsoft.com/office/powerpoint/2010/main" Requires="p14">
+  <mc:AlternateContent xmlns:mc="http://schemas.openxmlformats.org/markup-compatibility/2006" xmlns:p14="http://schemas.microsoft.com/office/powerpoint/2010/main">
+    <mc:Choice Requires="p14">
       <p:transition spd="slow" p14:dur="1500">
         <p14:reveal thruBlk="1"/>
       </p:transition>
     </mc:Choice>
-    <mc:Fallback>
+    <mc:Fallback xmlns="">
       <p:transition spd="slow">
         <p:fade/>
       </p:transition>
@@ -8366,13 +8408,13 @@
   <p:clrMapOvr>
     <a:masterClrMapping/>
   </p:clrMapOvr>
-  <mc:AlternateContent xmlns:mc="http://schemas.openxmlformats.org/markup-compatibility/2006">
-    <mc:Choice xmlns:p14="http://schemas.microsoft.com/office/powerpoint/2010/main" Requires="p14">
+  <mc:AlternateContent xmlns:mc="http://schemas.openxmlformats.org/markup-compatibility/2006" xmlns:p14="http://schemas.microsoft.com/office/powerpoint/2010/main">
+    <mc:Choice Requires="p14">
       <p:transition spd="slow" p14:dur="1500">
         <p14:reveal thruBlk="1"/>
       </p:transition>
     </mc:Choice>
-    <mc:Fallback>
+    <mc:Fallback xmlns="">
       <p:transition spd="slow">
         <p:fade/>
       </p:transition>
@@ -8926,13 +8968,13 @@
   <p:clrMapOvr>
     <a:masterClrMapping/>
   </p:clrMapOvr>
-  <mc:AlternateContent xmlns:mc="http://schemas.openxmlformats.org/markup-compatibility/2006">
-    <mc:Choice xmlns:p14="http://schemas.microsoft.com/office/powerpoint/2010/main" Requires="p14">
+  <mc:AlternateContent xmlns:mc="http://schemas.openxmlformats.org/markup-compatibility/2006" xmlns:p14="http://schemas.microsoft.com/office/powerpoint/2010/main">
+    <mc:Choice Requires="p14">
       <p:transition spd="slow" p14:dur="1500">
         <p14:reveal thruBlk="1"/>
       </p:transition>
     </mc:Choice>
-    <mc:Fallback>
+    <mc:Fallback xmlns="">
       <p:transition spd="slow">
         <p:fade/>
       </p:transition>
